--- a/MeTAGeM.ui/icons/LaunchsIcons.pptx
+++ b/MeTAGeM.ui/icons/LaunchsIcons.pptx
@@ -1,6 +1,6 @@
 
 <file path=ppt/presentation.xml><?xml version="1.0" encoding="utf-8"?>
-<p:presentation xmlns:a="http://schemas.openxmlformats.org/drawingml/2006/main" xmlns:r="http://schemas.openxmlformats.org/officeDocument/2006/relationships" xmlns:p="http://schemas.openxmlformats.org/presentationml/2006/main" saveSubsetFonts="1">
+<p:presentation xmlns:a="http://schemas.openxmlformats.org/drawingml/2006/main" xmlns:r="http://schemas.openxmlformats.org/officeDocument/2006/relationships" xmlns:p="http://schemas.openxmlformats.org/presentationml/2006/main" serverZoom="13757" saveSubsetFonts="1">
   <p:sldMasterIdLst>
     <p:sldMasterId id="2147483648" r:id="rId1"/>
   </p:sldMasterIdLst>
@@ -290,7 +290,7 @@
             <a:fld id="{7A847CFC-816F-41D0-AAC0-9BF4FEBC753E}" type="datetimeFigureOut">
               <a:rPr lang="es-ES" smtClean="0"/>
               <a:pPr/>
-              <a:t>29/09/2010</a:t>
+              <a:t>17/11/2011</a:t>
             </a:fld>
             <a:endParaRPr lang="es-ES"/>
           </a:p>
@@ -457,7 +457,7 @@
             <a:fld id="{7A847CFC-816F-41D0-AAC0-9BF4FEBC753E}" type="datetimeFigureOut">
               <a:rPr lang="es-ES" smtClean="0"/>
               <a:pPr/>
-              <a:t>29/09/2010</a:t>
+              <a:t>17/11/2011</a:t>
             </a:fld>
             <a:endParaRPr lang="es-ES"/>
           </a:p>
@@ -634,7 +634,7 @@
             <a:fld id="{7A847CFC-816F-41D0-AAC0-9BF4FEBC753E}" type="datetimeFigureOut">
               <a:rPr lang="es-ES" smtClean="0"/>
               <a:pPr/>
-              <a:t>29/09/2010</a:t>
+              <a:t>17/11/2011</a:t>
             </a:fld>
             <a:endParaRPr lang="es-ES"/>
           </a:p>
@@ -801,7 +801,7 @@
             <a:fld id="{7A847CFC-816F-41D0-AAC0-9BF4FEBC753E}" type="datetimeFigureOut">
               <a:rPr lang="es-ES" smtClean="0"/>
               <a:pPr/>
-              <a:t>29/09/2010</a:t>
+              <a:t>17/11/2011</a:t>
             </a:fld>
             <a:endParaRPr lang="es-ES"/>
           </a:p>
@@ -1044,7 +1044,7 @@
             <a:fld id="{7A847CFC-816F-41D0-AAC0-9BF4FEBC753E}" type="datetimeFigureOut">
               <a:rPr lang="es-ES" smtClean="0"/>
               <a:pPr/>
-              <a:t>29/09/2010</a:t>
+              <a:t>17/11/2011</a:t>
             </a:fld>
             <a:endParaRPr lang="es-ES"/>
           </a:p>
@@ -1329,7 +1329,7 @@
             <a:fld id="{7A847CFC-816F-41D0-AAC0-9BF4FEBC753E}" type="datetimeFigureOut">
               <a:rPr lang="es-ES" smtClean="0"/>
               <a:pPr/>
-              <a:t>29/09/2010</a:t>
+              <a:t>17/11/2011</a:t>
             </a:fld>
             <a:endParaRPr lang="es-ES"/>
           </a:p>
@@ -1748,7 +1748,7 @@
             <a:fld id="{7A847CFC-816F-41D0-AAC0-9BF4FEBC753E}" type="datetimeFigureOut">
               <a:rPr lang="es-ES" smtClean="0"/>
               <a:pPr/>
-              <a:t>29/09/2010</a:t>
+              <a:t>17/11/2011</a:t>
             </a:fld>
             <a:endParaRPr lang="es-ES"/>
           </a:p>
@@ -1863,7 +1863,7 @@
             <a:fld id="{7A847CFC-816F-41D0-AAC0-9BF4FEBC753E}" type="datetimeFigureOut">
               <a:rPr lang="es-ES" smtClean="0"/>
               <a:pPr/>
-              <a:t>29/09/2010</a:t>
+              <a:t>17/11/2011</a:t>
             </a:fld>
             <a:endParaRPr lang="es-ES"/>
           </a:p>
@@ -1955,7 +1955,7 @@
             <a:fld id="{7A847CFC-816F-41D0-AAC0-9BF4FEBC753E}" type="datetimeFigureOut">
               <a:rPr lang="es-ES" smtClean="0"/>
               <a:pPr/>
-              <a:t>29/09/2010</a:t>
+              <a:t>17/11/2011</a:t>
             </a:fld>
             <a:endParaRPr lang="es-ES"/>
           </a:p>
@@ -2229,7 +2229,7 @@
             <a:fld id="{7A847CFC-816F-41D0-AAC0-9BF4FEBC753E}" type="datetimeFigureOut">
               <a:rPr lang="es-ES" smtClean="0"/>
               <a:pPr/>
-              <a:t>29/09/2010</a:t>
+              <a:t>17/11/2011</a:t>
             </a:fld>
             <a:endParaRPr lang="es-ES"/>
           </a:p>
@@ -2479,7 +2479,7 @@
             <a:fld id="{7A847CFC-816F-41D0-AAC0-9BF4FEBC753E}" type="datetimeFigureOut">
               <a:rPr lang="es-ES" smtClean="0"/>
               <a:pPr/>
-              <a:t>29/09/2010</a:t>
+              <a:t>17/11/2011</a:t>
             </a:fld>
             <a:endParaRPr lang="es-ES"/>
           </a:p>
@@ -2689,7 +2689,7 @@
             <a:fld id="{7A847CFC-816F-41D0-AAC0-9BF4FEBC753E}" type="datetimeFigureOut">
               <a:rPr lang="es-ES" smtClean="0"/>
               <a:pPr/>
-              <a:t>29/09/2010</a:t>
+              <a:t>17/11/2011</a:t>
             </a:fld>
             <a:endParaRPr lang="es-ES"/>
           </a:p>
@@ -3836,6 +3836,266 @@
           </p:spPr>
         </p:pic>
       </p:grpSp>
+      <p:grpSp>
+        <p:nvGrpSpPr>
+          <p:cNvPr id="2" name="1 Grupo"/>
+          <p:cNvGrpSpPr/>
+          <p:nvPr/>
+        </p:nvGrpSpPr>
+        <p:grpSpPr>
+          <a:xfrm>
+            <a:off x="3068469" y="4610042"/>
+            <a:ext cx="1665283" cy="1457270"/>
+            <a:chOff x="3068469" y="4610042"/>
+            <a:chExt cx="1665283" cy="1457270"/>
+          </a:xfrm>
+        </p:grpSpPr>
+        <p:pic>
+          <p:nvPicPr>
+            <p:cNvPr id="18" name="Picture 10"/>
+            <p:cNvPicPr>
+              <a:picLocks noChangeAspect="1" noChangeArrowheads="1"/>
+            </p:cNvPicPr>
+            <p:nvPr/>
+          </p:nvPicPr>
+          <p:blipFill>
+            <a:blip r:embed="rId4"/>
+            <a:srcRect/>
+            <a:stretch>
+              <a:fillRect/>
+            </a:stretch>
+          </p:blipFill>
+          <p:spPr bwMode="auto">
+            <a:xfrm>
+              <a:off x="3068469" y="4610042"/>
+              <a:ext cx="1665283" cy="1457270"/>
+            </a:xfrm>
+            <a:prstGeom prst="rect">
+              <a:avLst/>
+            </a:prstGeom>
+            <a:ln>
+              <a:noFill/>
+            </a:ln>
+            <a:effectLst>
+              <a:outerShdw blurRad="190500" algn="tl" rotWithShape="0">
+                <a:srgbClr val="000000">
+                  <a:alpha val="70000"/>
+                </a:srgbClr>
+              </a:outerShdw>
+            </a:effectLst>
+          </p:spPr>
+        </p:pic>
+        <p:pic>
+          <p:nvPicPr>
+            <p:cNvPr id="1026" name="Picture 2"/>
+            <p:cNvPicPr>
+              <a:picLocks noChangeAspect="1" noChangeArrowheads="1"/>
+            </p:cNvPicPr>
+            <p:nvPr/>
+          </p:nvPicPr>
+          <p:blipFill>
+            <a:blip r:embed="rId11">
+              <a:extLst>
+                <a:ext uri="{BEBA8EAE-BF5A-486C-A8C5-ECC9F3942E4B}">
+                  <a14:imgProps xmlns:a14="http://schemas.microsoft.com/office/drawing/2010/main">
+                    <a14:imgLayer r:embed="rId12">
+                      <a14:imgEffect>
+                        <a14:backgroundRemoval t="0" b="100000" l="0" r="100000"/>
+                      </a14:imgEffect>
+                      <a14:imgEffect>
+                        <a14:colorTemperature colorTemp="5300"/>
+                      </a14:imgEffect>
+                      <a14:imgEffect>
+                        <a14:brightnessContrast bright="20000" contrast="20000"/>
+                      </a14:imgEffect>
+                    </a14:imgLayer>
+                  </a14:imgProps>
+                </a:ext>
+                <a:ext uri="{28A0092B-C50C-407E-A947-70E740481C1C}">
+                  <a14:useLocalDpi xmlns:a14="http://schemas.microsoft.com/office/drawing/2010/main" val="0"/>
+                </a:ext>
+              </a:extLst>
+            </a:blip>
+            <a:srcRect/>
+            <a:stretch>
+              <a:fillRect/>
+            </a:stretch>
+          </p:blipFill>
+          <p:spPr bwMode="auto">
+            <a:xfrm>
+              <a:off x="4021024" y="4878732"/>
+              <a:ext cx="580132" cy="580132"/>
+            </a:xfrm>
+            <a:prstGeom prst="rect">
+              <a:avLst/>
+            </a:prstGeom>
+            <a:noFill/>
+            <a:ln>
+              <a:noFill/>
+            </a:ln>
+            <a:effectLst/>
+            <a:extLst>
+              <a:ext uri="{909E8E84-426E-40DD-AFC4-6F175D3DCCD1}">
+                <a14:hiddenFill xmlns:a14="http://schemas.microsoft.com/office/drawing/2010/main">
+                  <a:solidFill>
+                    <a:schemeClr val="accent1"/>
+                  </a:solidFill>
+                </a14:hiddenFill>
+              </a:ext>
+              <a:ext uri="{91240B29-F687-4F45-9708-019B960494DF}">
+                <a14:hiddenLine xmlns:a14="http://schemas.microsoft.com/office/drawing/2010/main" w="9525">
+                  <a:solidFill>
+                    <a:schemeClr val="tx1"/>
+                  </a:solidFill>
+                  <a:miter lim="800000"/>
+                  <a:headEnd/>
+                  <a:tailEnd/>
+                </a14:hiddenLine>
+              </a:ext>
+              <a:ext uri="{AF507438-7753-43E0-B8FC-AC1667EBCBE1}">
+                <a14:hiddenEffects xmlns:a14="http://schemas.microsoft.com/office/drawing/2010/main">
+                  <a:effectLst>
+                    <a:outerShdw dist="35921" dir="2700000" algn="ctr" rotWithShape="0">
+                      <a:schemeClr val="bg2"/>
+                    </a:outerShdw>
+                  </a:effectLst>
+                </a14:hiddenEffects>
+              </a:ext>
+            </a:extLst>
+          </p:spPr>
+        </p:pic>
+      </p:grpSp>
+      <p:grpSp>
+        <p:nvGrpSpPr>
+          <p:cNvPr id="25" name="24 Grupo"/>
+          <p:cNvGrpSpPr>
+            <a:grpSpLocks noChangeAspect="1"/>
+          </p:cNvGrpSpPr>
+          <p:nvPr/>
+        </p:nvGrpSpPr>
+        <p:grpSpPr>
+          <a:xfrm>
+            <a:off x="5155337" y="2624151"/>
+            <a:ext cx="288000" cy="252025"/>
+            <a:chOff x="3068469" y="4610042"/>
+            <a:chExt cx="1665283" cy="1457270"/>
+          </a:xfrm>
+        </p:grpSpPr>
+        <p:pic>
+          <p:nvPicPr>
+            <p:cNvPr id="29" name="Picture 10"/>
+            <p:cNvPicPr>
+              <a:picLocks noChangeAspect="1" noChangeArrowheads="1"/>
+            </p:cNvPicPr>
+            <p:nvPr/>
+          </p:nvPicPr>
+          <p:blipFill>
+            <a:blip r:embed="rId4"/>
+            <a:srcRect/>
+            <a:stretch>
+              <a:fillRect/>
+            </a:stretch>
+          </p:blipFill>
+          <p:spPr bwMode="auto">
+            <a:xfrm>
+              <a:off x="3068469" y="4610042"/>
+              <a:ext cx="1665283" cy="1457270"/>
+            </a:xfrm>
+            <a:prstGeom prst="rect">
+              <a:avLst/>
+            </a:prstGeom>
+            <a:ln>
+              <a:noFill/>
+            </a:ln>
+            <a:effectLst>
+              <a:outerShdw blurRad="190500" algn="tl" rotWithShape="0">
+                <a:srgbClr val="000000">
+                  <a:alpha val="70000"/>
+                </a:srgbClr>
+              </a:outerShdw>
+            </a:effectLst>
+          </p:spPr>
+        </p:pic>
+        <p:pic>
+          <p:nvPicPr>
+            <p:cNvPr id="30" name="Picture 2"/>
+            <p:cNvPicPr>
+              <a:picLocks noChangeAspect="1" noChangeArrowheads="1"/>
+            </p:cNvPicPr>
+            <p:nvPr/>
+          </p:nvPicPr>
+          <p:blipFill>
+            <a:blip r:embed="rId11">
+              <a:extLst>
+                <a:ext uri="{BEBA8EAE-BF5A-486C-A8C5-ECC9F3942E4B}">
+                  <a14:imgProps xmlns:a14="http://schemas.microsoft.com/office/drawing/2010/main">
+                    <a14:imgLayer r:embed="rId12">
+                      <a14:imgEffect>
+                        <a14:backgroundRemoval t="0" b="100000" l="0" r="100000"/>
+                      </a14:imgEffect>
+                      <a14:imgEffect>
+                        <a14:colorTemperature colorTemp="5300"/>
+                      </a14:imgEffect>
+                      <a14:imgEffect>
+                        <a14:brightnessContrast bright="20000" contrast="20000"/>
+                      </a14:imgEffect>
+                    </a14:imgLayer>
+                  </a14:imgProps>
+                </a:ext>
+                <a:ext uri="{28A0092B-C50C-407E-A947-70E740481C1C}">
+                  <a14:useLocalDpi xmlns:a14="http://schemas.microsoft.com/office/drawing/2010/main" val="0"/>
+                </a:ext>
+              </a:extLst>
+            </a:blip>
+            <a:srcRect/>
+            <a:stretch>
+              <a:fillRect/>
+            </a:stretch>
+          </p:blipFill>
+          <p:spPr bwMode="auto">
+            <a:xfrm>
+              <a:off x="4056681" y="4837429"/>
+              <a:ext cx="580131" cy="580133"/>
+            </a:xfrm>
+            <a:prstGeom prst="rect">
+              <a:avLst/>
+            </a:prstGeom>
+            <a:noFill/>
+            <a:ln>
+              <a:noFill/>
+            </a:ln>
+            <a:effectLst/>
+            <a:extLst>
+              <a:ext uri="{909E8E84-426E-40DD-AFC4-6F175D3DCCD1}">
+                <a14:hiddenFill xmlns:a14="http://schemas.microsoft.com/office/drawing/2010/main">
+                  <a:solidFill>
+                    <a:schemeClr val="accent1"/>
+                  </a:solidFill>
+                </a14:hiddenFill>
+              </a:ext>
+              <a:ext uri="{91240B29-F687-4F45-9708-019B960494DF}">
+                <a14:hiddenLine xmlns:a14="http://schemas.microsoft.com/office/drawing/2010/main" w="9525">
+                  <a:solidFill>
+                    <a:schemeClr val="tx1"/>
+                  </a:solidFill>
+                  <a:miter lim="800000"/>
+                  <a:headEnd/>
+                  <a:tailEnd/>
+                </a14:hiddenLine>
+              </a:ext>
+              <a:ext uri="{AF507438-7753-43E0-B8FC-AC1667EBCBE1}">
+                <a14:hiddenEffects xmlns:a14="http://schemas.microsoft.com/office/drawing/2010/main">
+                  <a:effectLst>
+                    <a:outerShdw dist="35921" dir="2700000" algn="ctr" rotWithShape="0">
+                      <a:schemeClr val="bg2"/>
+                    </a:outerShdw>
+                  </a:effectLst>
+                </a14:hiddenEffects>
+              </a:ext>
+            </a:extLst>
+          </p:spPr>
+        </p:pic>
+      </p:grpSp>
     </p:spTree>
   </p:cSld>
   <p:clrMapOvr>
